--- a/raman_week14-december.pptx
+++ b/raman_week14-december.pptx
@@ -2471,7 +2471,7 @@
           <a:p>
             <a:fld id="{6822D85E-D2FB-42BA-8FC7-836FE23099A3}" type="datetimeFigureOut">
               <a:rPr lang="en-CH" smtClean="0"/>
-              <a:t>19.12.2025</a:t>
+              <a:t>12/19/2025</a:t>
             </a:fld>
             <a:endParaRPr lang="en-CH"/>
           </a:p>
@@ -2679,7 +2679,7 @@
           <a:p>
             <a:fld id="{6822D85E-D2FB-42BA-8FC7-836FE23099A3}" type="datetimeFigureOut">
               <a:rPr lang="en-CH" smtClean="0"/>
-              <a:t>19.12.2025</a:t>
+              <a:t>12/19/2025</a:t>
             </a:fld>
             <a:endParaRPr lang="en-CH"/>
           </a:p>
@@ -2935,7 +2935,7 @@
           <a:p>
             <a:fld id="{6822D85E-D2FB-42BA-8FC7-836FE23099A3}" type="datetimeFigureOut">
               <a:rPr lang="en-CH" smtClean="0"/>
-              <a:t>19.12.2025</a:t>
+              <a:t>12/19/2025</a:t>
             </a:fld>
             <a:endParaRPr lang="en-CH"/>
           </a:p>
@@ -3109,7 +3109,7 @@
           <a:p>
             <a:fld id="{6822D85E-D2FB-42BA-8FC7-836FE23099A3}" type="datetimeFigureOut">
               <a:rPr lang="en-CH" smtClean="0"/>
-              <a:t>19.12.2025</a:t>
+              <a:t>12/19/2025</a:t>
             </a:fld>
             <a:endParaRPr lang="en-CH"/>
           </a:p>
@@ -3452,7 +3452,7 @@
           <a:p>
             <a:fld id="{6822D85E-D2FB-42BA-8FC7-836FE23099A3}" type="datetimeFigureOut">
               <a:rPr lang="en-CH" smtClean="0"/>
-              <a:t>19.12.2025</a:t>
+              <a:t>12/19/2025</a:t>
             </a:fld>
             <a:endParaRPr lang="en-CH"/>
           </a:p>
@@ -3727,7 +3727,7 @@
           <a:p>
             <a:fld id="{6822D85E-D2FB-42BA-8FC7-836FE23099A3}" type="datetimeFigureOut">
               <a:rPr lang="en-CH" smtClean="0"/>
-              <a:t>19.12.2025</a:t>
+              <a:t>12/19/2025</a:t>
             </a:fld>
             <a:endParaRPr lang="en-CH"/>
           </a:p>
@@ -4106,7 +4106,7 @@
           <a:p>
             <a:fld id="{6822D85E-D2FB-42BA-8FC7-836FE23099A3}" type="datetimeFigureOut">
               <a:rPr lang="en-CH" smtClean="0"/>
-              <a:t>19.12.2025</a:t>
+              <a:t>12/19/2025</a:t>
             </a:fld>
             <a:endParaRPr lang="en-CH"/>
           </a:p>
@@ -4224,7 +4224,7 @@
           <a:p>
             <a:fld id="{6822D85E-D2FB-42BA-8FC7-836FE23099A3}" type="datetimeFigureOut">
               <a:rPr lang="en-CH" smtClean="0"/>
-              <a:t>19.12.2025</a:t>
+              <a:t>12/19/2025</a:t>
             </a:fld>
             <a:endParaRPr lang="en-CH"/>
           </a:p>
@@ -4395,7 +4395,7 @@
           <a:p>
             <a:fld id="{6822D85E-D2FB-42BA-8FC7-836FE23099A3}" type="datetimeFigureOut">
               <a:rPr lang="en-CH" smtClean="0"/>
-              <a:t>19.12.2025</a:t>
+              <a:t>12/19/2025</a:t>
             </a:fld>
             <a:endParaRPr lang="en-CH"/>
           </a:p>
@@ -4749,7 +4749,7 @@
           <a:p>
             <a:fld id="{6822D85E-D2FB-42BA-8FC7-836FE23099A3}" type="datetimeFigureOut">
               <a:rPr lang="en-CH" smtClean="0"/>
-              <a:t>19.12.2025</a:t>
+              <a:t>12/19/2025</a:t>
             </a:fld>
             <a:endParaRPr lang="en-CH"/>
           </a:p>
@@ -5131,7 +5131,7 @@
           <a:p>
             <a:fld id="{6822D85E-D2FB-42BA-8FC7-836FE23099A3}" type="datetimeFigureOut">
               <a:rPr lang="en-CH" smtClean="0"/>
-              <a:t>19.12.2025</a:t>
+              <a:t>12/19/2025</a:t>
             </a:fld>
             <a:endParaRPr lang="en-CH"/>
           </a:p>
@@ -5251,6 +5251,13 @@
             <a:schemeClr val="lt1"/>
           </a:fontRef>
         </p:style>
+        <p:txBody>
+          <a:bodyPr/>
+          <a:lstStyle/>
+          <a:p>
+            <a:endParaRPr lang="en-US"/>
+          </a:p>
+        </p:txBody>
       </p:sp>
       <p:sp>
         <p:nvSpPr>
@@ -5289,6 +5296,13 @@
             <a:schemeClr val="lt1"/>
           </a:fontRef>
         </p:style>
+        <p:txBody>
+          <a:bodyPr/>
+          <a:lstStyle/>
+          <a:p>
+            <a:endParaRPr lang="en-US"/>
+          </a:p>
+        </p:txBody>
       </p:sp>
       <p:sp>
         <p:nvSpPr>
@@ -5418,7 +5432,7 @@
           <a:p>
             <a:fld id="{6822D85E-D2FB-42BA-8FC7-836FE23099A3}" type="datetimeFigureOut">
               <a:rPr lang="en-CH" smtClean="0"/>
-              <a:t>19.12.2025</a:t>
+              <a:t>12/19/2025</a:t>
             </a:fld>
             <a:endParaRPr lang="en-CH"/>
           </a:p>
@@ -5968,7 +5982,7 @@
         </p:nvSpPr>
         <p:spPr>
           <a:xfrm>
-            <a:off x="761803" y="350196"/>
+            <a:off x="643050" y="160191"/>
             <a:ext cx="4646904" cy="1624520"/>
           </a:xfrm>
         </p:spPr>
@@ -5979,10 +5993,10 @@
           <a:lstStyle/>
           <a:p>
             <a:r>
-              <a:rPr lang="en-US" sz="3700"/>
+              <a:rPr lang="en-US" sz="3700" dirty="0"/>
               <a:t>Implementation of a spectrum classifier neural network</a:t>
             </a:r>
-            <a:endParaRPr lang="en-CH" sz="3700"/>
+            <a:endParaRPr lang="en-CH" sz="3700" dirty="0"/>
           </a:p>
         </p:txBody>
       </p:sp>
@@ -6071,6 +6085,41 @@
           </a:prstGeom>
         </p:spPr>
       </p:pic>
+      <p:sp>
+        <p:nvSpPr>
+          <p:cNvPr id="4" name="TextBox 3">
+            <a:extLst>
+              <a:ext uri="{FF2B5EF4-FFF2-40B4-BE49-F238E27FC236}">
+                <a16:creationId xmlns:a16="http://schemas.microsoft.com/office/drawing/2014/main" id="{DC296877-46D0-E16C-A5B0-0379C2BBDCB5}"/>
+              </a:ext>
+            </a:extLst>
+          </p:cNvPr>
+          <p:cNvSpPr txBox="1"/>
+          <p:nvPr/>
+        </p:nvSpPr>
+        <p:spPr>
+          <a:xfrm>
+            <a:off x="265176" y="6062472"/>
+            <a:ext cx="301686" cy="369332"/>
+          </a:xfrm>
+          <a:prstGeom prst="rect">
+            <a:avLst/>
+          </a:prstGeom>
+          <a:noFill/>
+        </p:spPr>
+        <p:txBody>
+          <a:bodyPr wrap="none" rtlCol="0">
+            <a:spAutoFit/>
+          </a:bodyPr>
+          <a:lstStyle/>
+          <a:p>
+            <a:r>
+              <a:rPr lang="en-US" dirty="0"/>
+              <a:t>1</a:t>
+            </a:r>
+          </a:p>
+        </p:txBody>
+      </p:sp>
     </p:spTree>
     <p:extLst>
       <p:ext uri="{BB962C8B-B14F-4D97-AF65-F5344CB8AC3E}">
@@ -6205,6 +6254,41 @@
               <a:t> The size is ok (20-50 per plastic), but it must be more uniform, and the </a:t>
             </a:r>
             <a:endParaRPr lang="en-US" dirty="0"/>
+          </a:p>
+        </p:txBody>
+      </p:sp>
+      <p:sp>
+        <p:nvSpPr>
+          <p:cNvPr id="4" name="TextBox 3">
+            <a:extLst>
+              <a:ext uri="{FF2B5EF4-FFF2-40B4-BE49-F238E27FC236}">
+                <a16:creationId xmlns:a16="http://schemas.microsoft.com/office/drawing/2014/main" id="{18753EAB-B2FA-A95B-260D-E8A49413535C}"/>
+              </a:ext>
+            </a:extLst>
+          </p:cNvPr>
+          <p:cNvSpPr txBox="1"/>
+          <p:nvPr/>
+        </p:nvSpPr>
+        <p:spPr>
+          <a:xfrm>
+            <a:off x="164592" y="5952744"/>
+            <a:ext cx="418704" cy="369332"/>
+          </a:xfrm>
+          <a:prstGeom prst="rect">
+            <a:avLst/>
+          </a:prstGeom>
+          <a:noFill/>
+        </p:spPr>
+        <p:txBody>
+          <a:bodyPr wrap="none" rtlCol="0">
+            <a:spAutoFit/>
+          </a:bodyPr>
+          <a:lstStyle/>
+          <a:p>
+            <a:r>
+              <a:rPr lang="en-US" dirty="0"/>
+              <a:t>10</a:t>
+            </a:r>
           </a:p>
         </p:txBody>
       </p:sp>
@@ -6573,6 +6657,41 @@
           </a:p>
         </p:txBody>
       </p:sp>
+      <p:sp>
+        <p:nvSpPr>
+          <p:cNvPr id="4" name="TextBox 3">
+            <a:extLst>
+              <a:ext uri="{FF2B5EF4-FFF2-40B4-BE49-F238E27FC236}">
+                <a16:creationId xmlns:a16="http://schemas.microsoft.com/office/drawing/2014/main" id="{1519BA7A-06C6-BFD2-11C5-E0F70B324327}"/>
+              </a:ext>
+            </a:extLst>
+          </p:cNvPr>
+          <p:cNvSpPr txBox="1"/>
+          <p:nvPr/>
+        </p:nvSpPr>
+        <p:spPr>
+          <a:xfrm>
+            <a:off x="320040" y="6080760"/>
+            <a:ext cx="301686" cy="369332"/>
+          </a:xfrm>
+          <a:prstGeom prst="rect">
+            <a:avLst/>
+          </a:prstGeom>
+          <a:noFill/>
+        </p:spPr>
+        <p:txBody>
+          <a:bodyPr wrap="none" rtlCol="0">
+            <a:spAutoFit/>
+          </a:bodyPr>
+          <a:lstStyle/>
+          <a:p>
+            <a:r>
+              <a:rPr lang="en-US" dirty="0"/>
+              <a:t>2</a:t>
+            </a:r>
+          </a:p>
+        </p:txBody>
+      </p:sp>
     </p:spTree>
     <p:extLst>
       <p:ext uri="{BB962C8B-B14F-4D97-AF65-F5344CB8AC3E}">
@@ -6666,6 +6785,41 @@
           </a:p>
         </p:txBody>
       </p:sp>
+      <p:sp>
+        <p:nvSpPr>
+          <p:cNvPr id="4" name="TextBox 3">
+            <a:extLst>
+              <a:ext uri="{FF2B5EF4-FFF2-40B4-BE49-F238E27FC236}">
+                <a16:creationId xmlns:a16="http://schemas.microsoft.com/office/drawing/2014/main" id="{CDD2FCC6-9644-1C00-C523-99B5A1CC14B3}"/>
+              </a:ext>
+            </a:extLst>
+          </p:cNvPr>
+          <p:cNvSpPr txBox="1"/>
+          <p:nvPr/>
+        </p:nvSpPr>
+        <p:spPr>
+          <a:xfrm>
+            <a:off x="310896" y="6071616"/>
+            <a:ext cx="301686" cy="369332"/>
+          </a:xfrm>
+          <a:prstGeom prst="rect">
+            <a:avLst/>
+          </a:prstGeom>
+          <a:noFill/>
+        </p:spPr>
+        <p:txBody>
+          <a:bodyPr wrap="none" rtlCol="0">
+            <a:spAutoFit/>
+          </a:bodyPr>
+          <a:lstStyle/>
+          <a:p>
+            <a:r>
+              <a:rPr lang="en-US" dirty="0"/>
+              <a:t>3</a:t>
+            </a:r>
+          </a:p>
+        </p:txBody>
+      </p:sp>
     </p:spTree>
     <p:extLst>
       <p:ext uri="{BB962C8B-B14F-4D97-AF65-F5344CB8AC3E}">
@@ -6748,8 +6902,8 @@
         </p:nvSpPr>
         <p:spPr>
           <a:xfrm>
-            <a:off x="0" y="1045029"/>
-            <a:ext cx="6096000" cy="5131934"/>
+            <a:off x="132866" y="1045029"/>
+            <a:ext cx="5963134" cy="5130140"/>
           </a:xfrm>
         </p:spPr>
         <p:txBody>
@@ -6778,21 +6932,30 @@
             </a:r>
           </a:p>
           <a:p>
-            <a:endParaRPr lang="en-US" sz="1800" dirty="0"/>
-          </a:p>
-          <a:p>
-            <a:endParaRPr lang="en-US" sz="1800" dirty="0"/>
-          </a:p>
-          <a:p>
             <a:pPr marL="0" indent="0">
               <a:buNone/>
             </a:pPr>
             <a:endParaRPr lang="en-US" sz="1800" dirty="0"/>
           </a:p>
           <a:p>
+            <a:pPr marL="0" indent="0">
+              <a:buNone/>
+            </a:pPr>
+            <a:endParaRPr lang="en-US" sz="1800" dirty="0"/>
+          </a:p>
+          <a:p>
             <a:r>
               <a:rPr lang="en-US" sz="1800" dirty="0"/>
               <a:t>From our database -&gt;</a:t>
+            </a:r>
+          </a:p>
+          <a:p>
+            <a:pPr marL="0" indent="0">
+              <a:buNone/>
+            </a:pPr>
+            <a:r>
+              <a:rPr lang="en-US" sz="1800" dirty="0"/>
+              <a:t>  Done with interpolation</a:t>
             </a:r>
           </a:p>
           <a:p>
@@ -6926,6 +7089,41 @@
           </a:extLst>
         </p:spPr>
       </p:pic>
+      <p:sp>
+        <p:nvSpPr>
+          <p:cNvPr id="4" name="TextBox 3">
+            <a:extLst>
+              <a:ext uri="{FF2B5EF4-FFF2-40B4-BE49-F238E27FC236}">
+                <a16:creationId xmlns:a16="http://schemas.microsoft.com/office/drawing/2014/main" id="{8176C2F5-A898-80C0-4871-528848C9EEB6}"/>
+              </a:ext>
+            </a:extLst>
+          </p:cNvPr>
+          <p:cNvSpPr txBox="1"/>
+          <p:nvPr/>
+        </p:nvSpPr>
+        <p:spPr>
+          <a:xfrm>
+            <a:off x="292608" y="6473952"/>
+            <a:ext cx="301686" cy="369332"/>
+          </a:xfrm>
+          <a:prstGeom prst="rect">
+            <a:avLst/>
+          </a:prstGeom>
+          <a:noFill/>
+        </p:spPr>
+        <p:txBody>
+          <a:bodyPr wrap="none" rtlCol="0">
+            <a:spAutoFit/>
+          </a:bodyPr>
+          <a:lstStyle/>
+          <a:p>
+            <a:r>
+              <a:rPr lang="en-US" dirty="0"/>
+              <a:t>4</a:t>
+            </a:r>
+          </a:p>
+        </p:txBody>
+      </p:sp>
     </p:spTree>
     <p:extLst>
       <p:ext uri="{BB962C8B-B14F-4D97-AF65-F5344CB8AC3E}">
@@ -7076,6 +7274,41 @@
           </a:prstGeom>
         </p:spPr>
       </p:pic>
+      <p:sp>
+        <p:nvSpPr>
+          <p:cNvPr id="2" name="TextBox 1">
+            <a:extLst>
+              <a:ext uri="{FF2B5EF4-FFF2-40B4-BE49-F238E27FC236}">
+                <a16:creationId xmlns:a16="http://schemas.microsoft.com/office/drawing/2014/main" id="{ABA1D199-6004-EBE6-0F1A-1C389232DF40}"/>
+              </a:ext>
+            </a:extLst>
+          </p:cNvPr>
+          <p:cNvSpPr txBox="1"/>
+          <p:nvPr/>
+        </p:nvSpPr>
+        <p:spPr>
+          <a:xfrm>
+            <a:off x="100584" y="6519672"/>
+            <a:ext cx="301686" cy="369332"/>
+          </a:xfrm>
+          <a:prstGeom prst="rect">
+            <a:avLst/>
+          </a:prstGeom>
+          <a:noFill/>
+        </p:spPr>
+        <p:txBody>
+          <a:bodyPr wrap="none" rtlCol="0">
+            <a:spAutoFit/>
+          </a:bodyPr>
+          <a:lstStyle/>
+          <a:p>
+            <a:r>
+              <a:rPr lang="en-US" dirty="0"/>
+              <a:t>5</a:t>
+            </a:r>
+          </a:p>
+        </p:txBody>
+      </p:sp>
     </p:spTree>
     <p:extLst>
       <p:ext uri="{BB962C8B-B14F-4D97-AF65-F5344CB8AC3E}">
@@ -7214,6 +7447,41 @@
           </a:p>
         </p:txBody>
       </p:sp>
+      <p:sp>
+        <p:nvSpPr>
+          <p:cNvPr id="4" name="TextBox 3">
+            <a:extLst>
+              <a:ext uri="{FF2B5EF4-FFF2-40B4-BE49-F238E27FC236}">
+                <a16:creationId xmlns:a16="http://schemas.microsoft.com/office/drawing/2014/main" id="{F1706DE8-59DA-F2AC-94BE-397A60C086B7}"/>
+              </a:ext>
+            </a:extLst>
+          </p:cNvPr>
+          <p:cNvSpPr txBox="1"/>
+          <p:nvPr/>
+        </p:nvSpPr>
+        <p:spPr>
+          <a:xfrm>
+            <a:off x="292608" y="6135624"/>
+            <a:ext cx="301686" cy="369332"/>
+          </a:xfrm>
+          <a:prstGeom prst="rect">
+            <a:avLst/>
+          </a:prstGeom>
+          <a:noFill/>
+        </p:spPr>
+        <p:txBody>
+          <a:bodyPr wrap="none" rtlCol="0">
+            <a:spAutoFit/>
+          </a:bodyPr>
+          <a:lstStyle/>
+          <a:p>
+            <a:r>
+              <a:rPr lang="en-US" dirty="0"/>
+              <a:t>6</a:t>
+            </a:r>
+          </a:p>
+        </p:txBody>
+      </p:sp>
     </p:spTree>
     <p:extLst>
       <p:ext uri="{BB962C8B-B14F-4D97-AF65-F5344CB8AC3E}">
@@ -7310,23 +7578,15 @@
             </a:r>
             <a:r>
               <a:rPr lang="en-US" sz="2000" dirty="0"/>
-              <a:t>Ratios of intensities between the Aromatic and </a:t>
+              <a:t>Ratios of intensities between the Aromatic and CH-</a:t>
             </a:r>
             <a:r>
               <a:rPr lang="en-US" sz="2000" dirty="0" err="1"/>
-              <a:t>Chstrech</a:t>
+              <a:t>strech</a:t>
             </a:r>
             <a:r>
               <a:rPr lang="en-US" sz="2000" dirty="0"/>
-              <a:t> regions, against the ratio of Skeletal/</a:t>
-            </a:r>
-            <a:r>
-              <a:rPr lang="en-US" sz="2000" dirty="0" err="1"/>
-              <a:t>Chbend</a:t>
-            </a:r>
-            <a:r>
-              <a:rPr lang="en-US" sz="2000" dirty="0"/>
-              <a:t> regions. </a:t>
+              <a:t> regions, against the ratio of Skeletal/CH-bend regions. </a:t>
             </a:r>
             <a:r>
               <a:rPr lang="en-US" sz="1800" dirty="0"/>
@@ -7346,19 +7606,11 @@
           <a:p>
             <a:r>
               <a:rPr lang="en-US" dirty="0"/>
-              <a:t>Our samples and groups make </a:t>
-            </a:r>
-            <a:r>
-              <a:rPr lang="en-US" dirty="0" err="1"/>
-              <a:t>sense.</a:t>
-            </a:r>
-            <a:r>
-              <a:rPr lang="en-US" sz="2000" dirty="0" err="1"/>
-              <a:t>We</a:t>
+              <a:t>Our samples and groups make sense. </a:t>
             </a:r>
             <a:r>
               <a:rPr lang="en-US" sz="2000" dirty="0"/>
-              <a:t> are able to get clusters, and they are not much scattered</a:t>
+              <a:t>We are able to get clusters, and they are not much scattered</a:t>
             </a:r>
             <a:r>
               <a:rPr lang="en-US" sz="2000" b="1" dirty="0"/>
@@ -7394,7 +7646,7 @@
         </p:blipFill>
         <p:spPr>
           <a:xfrm>
-            <a:off x="0" y="5136776"/>
+            <a:off x="0" y="5059028"/>
             <a:ext cx="6649571" cy="1721224"/>
           </a:xfrm>
           <a:prstGeom prst="rect">
@@ -7462,6 +7714,41 @@
           </a:prstGeom>
         </p:spPr>
       </p:pic>
+      <p:sp>
+        <p:nvSpPr>
+          <p:cNvPr id="4" name="TextBox 3">
+            <a:extLst>
+              <a:ext uri="{FF2B5EF4-FFF2-40B4-BE49-F238E27FC236}">
+                <a16:creationId xmlns:a16="http://schemas.microsoft.com/office/drawing/2014/main" id="{91C592A7-04F4-591D-4AA5-6E51E8ED9074}"/>
+              </a:ext>
+            </a:extLst>
+          </p:cNvPr>
+          <p:cNvSpPr txBox="1"/>
+          <p:nvPr/>
+        </p:nvSpPr>
+        <p:spPr>
+          <a:xfrm>
+            <a:off x="11768328" y="6318504"/>
+            <a:ext cx="301686" cy="369332"/>
+          </a:xfrm>
+          <a:prstGeom prst="rect">
+            <a:avLst/>
+          </a:prstGeom>
+          <a:noFill/>
+        </p:spPr>
+        <p:txBody>
+          <a:bodyPr wrap="none" rtlCol="0">
+            <a:spAutoFit/>
+          </a:bodyPr>
+          <a:lstStyle/>
+          <a:p>
+            <a:r>
+              <a:rPr lang="en-US" dirty="0"/>
+              <a:t>7</a:t>
+            </a:r>
+          </a:p>
+        </p:txBody>
+      </p:sp>
     </p:spTree>
     <p:extLst>
       <p:ext uri="{BB962C8B-B14F-4D97-AF65-F5344CB8AC3E}">
@@ -7573,6 +7860,41 @@
               <a:t>(haven’t done yet).</a:t>
             </a:r>
             <a:endParaRPr lang="en-CH" dirty="0"/>
+          </a:p>
+        </p:txBody>
+      </p:sp>
+      <p:sp>
+        <p:nvSpPr>
+          <p:cNvPr id="4" name="TextBox 3">
+            <a:extLst>
+              <a:ext uri="{FF2B5EF4-FFF2-40B4-BE49-F238E27FC236}">
+                <a16:creationId xmlns:a16="http://schemas.microsoft.com/office/drawing/2014/main" id="{5980B4D4-79DD-7BB3-5054-81A239F1ED18}"/>
+              </a:ext>
+            </a:extLst>
+          </p:cNvPr>
+          <p:cNvSpPr txBox="1"/>
+          <p:nvPr/>
+        </p:nvSpPr>
+        <p:spPr>
+          <a:xfrm>
+            <a:off x="164592" y="5885006"/>
+            <a:ext cx="301686" cy="369332"/>
+          </a:xfrm>
+          <a:prstGeom prst="rect">
+            <a:avLst/>
+          </a:prstGeom>
+          <a:noFill/>
+        </p:spPr>
+        <p:txBody>
+          <a:bodyPr wrap="none" rtlCol="0">
+            <a:spAutoFit/>
+          </a:bodyPr>
+          <a:lstStyle/>
+          <a:p>
+            <a:r>
+              <a:rPr lang="en-US" dirty="0"/>
+              <a:t>8</a:t>
+            </a:r>
           </a:p>
         </p:txBody>
       </p:sp>
@@ -7750,6 +8072,41 @@
           </a:graphicData>
         </a:graphic>
       </p:graphicFrame>
+      <p:sp>
+        <p:nvSpPr>
+          <p:cNvPr id="4" name="TextBox 3">
+            <a:extLst>
+              <a:ext uri="{FF2B5EF4-FFF2-40B4-BE49-F238E27FC236}">
+                <a16:creationId xmlns:a16="http://schemas.microsoft.com/office/drawing/2014/main" id="{D8CE7F7B-4266-69D0-D26B-643554A770F7}"/>
+              </a:ext>
+            </a:extLst>
+          </p:cNvPr>
+          <p:cNvSpPr txBox="1"/>
+          <p:nvPr/>
+        </p:nvSpPr>
+        <p:spPr>
+          <a:xfrm>
+            <a:off x="292608" y="6062472"/>
+            <a:ext cx="301686" cy="369332"/>
+          </a:xfrm>
+          <a:prstGeom prst="rect">
+            <a:avLst/>
+          </a:prstGeom>
+          <a:noFill/>
+        </p:spPr>
+        <p:txBody>
+          <a:bodyPr wrap="none" rtlCol="0">
+            <a:spAutoFit/>
+          </a:bodyPr>
+          <a:lstStyle/>
+          <a:p>
+            <a:r>
+              <a:rPr lang="en-US" dirty="0"/>
+              <a:t>9</a:t>
+            </a:r>
+          </a:p>
+        </p:txBody>
+      </p:sp>
     </p:spTree>
     <p:extLst>
       <p:ext uri="{BB962C8B-B14F-4D97-AF65-F5344CB8AC3E}">
